--- a/presentation.pptx
+++ b/presentation.pptx
@@ -7,13 +7,14 @@
   <p:sldIdLst>
     <p:sldId id="256" r:id="rId2"/>
     <p:sldId id="257" r:id="rId3"/>
-    <p:sldId id="258" r:id="rId4"/>
-    <p:sldId id="259" r:id="rId5"/>
-    <p:sldId id="260" r:id="rId6"/>
-    <p:sldId id="261" r:id="rId7"/>
-    <p:sldId id="262" r:id="rId8"/>
-    <p:sldId id="263" r:id="rId9"/>
-    <p:sldId id="264" r:id="rId10"/>
+    <p:sldId id="265" r:id="rId4"/>
+    <p:sldId id="258" r:id="rId5"/>
+    <p:sldId id="259" r:id="rId6"/>
+    <p:sldId id="260" r:id="rId7"/>
+    <p:sldId id="261" r:id="rId8"/>
+    <p:sldId id="262" r:id="rId9"/>
+    <p:sldId id="263" r:id="rId10"/>
+    <p:sldId id="264" r:id="rId11"/>
   </p:sldIdLst>
   <p:sldSz cx="9144000" cy="6858000" type="screen4x3"/>
   <p:notesSz cx="6858000" cy="9144000"/>
@@ -6453,6 +6454,102 @@
 </p:sld>
 </file>
 
+<file path=ppt/slides/slide10.xml><?xml version="1.0" encoding="utf-8"?>
+<p:sld xmlns:a="http://schemas.openxmlformats.org/drawingml/2006/main" xmlns:r="http://schemas.openxmlformats.org/officeDocument/2006/relationships" xmlns:mc="http://schemas.openxmlformats.org/markup-compatibility/2006" xmlns:mv="urn:schemas-microsoft-com:mac:vml" xmlns:p="http://schemas.openxmlformats.org/presentationml/2006/main" mc:Ignorable="mv" mc:PreserveAttributes="mv:*">
+  <p:cSld>
+    <p:spTree>
+      <p:nvGrpSpPr>
+        <p:cNvPr id="1" name=""/>
+        <p:cNvGrpSpPr/>
+        <p:nvPr/>
+      </p:nvGrpSpPr>
+      <p:grpSpPr>
+        <a:xfrm>
+          <a:off x="0" y="0"/>
+          <a:ext cx="0" cy="0"/>
+          <a:chOff x="0" y="0"/>
+          <a:chExt cx="0" cy="0"/>
+        </a:xfrm>
+      </p:grpSpPr>
+      <p:sp>
+        <p:nvSpPr>
+          <p:cNvPr id="2" name="Title 1"/>
+          <p:cNvSpPr>
+            <a:spLocks noGrp="1"/>
+          </p:cNvSpPr>
+          <p:nvPr>
+            <p:ph type="title"/>
+          </p:nvPr>
+        </p:nvSpPr>
+        <p:spPr/>
+        <p:txBody>
+          <a:bodyPr>
+            <a:normAutofit fontScale="90000"/>
+          </a:bodyPr>
+          <a:lstStyle/>
+          <a:p>
+            <a:r>
+              <a:rPr lang="en-US" dirty="0" smtClean="0"/>
+              <a:t>Beautiful Soup Documentation</a:t>
+            </a:r>
+            <a:endParaRPr lang="en-US" dirty="0"/>
+          </a:p>
+        </p:txBody>
+      </p:sp>
+      <p:sp>
+        <p:nvSpPr>
+          <p:cNvPr id="3" name="Content Placeholder 2"/>
+          <p:cNvSpPr>
+            <a:spLocks noGrp="1"/>
+          </p:cNvSpPr>
+          <p:nvPr>
+            <p:ph idx="1"/>
+          </p:nvPr>
+        </p:nvSpPr>
+        <p:spPr/>
+        <p:txBody>
+          <a:bodyPr/>
+          <a:lstStyle/>
+          <a:p>
+            <a:r>
+              <a:rPr lang="en-US" dirty="0" smtClean="0">
+                <a:hlinkClick r:id="rId2"/>
+              </a:rPr>
+              <a:t>http://www.crummy.com/software/BeautifulSoup/bs4/doc</a:t>
+            </a:r>
+            <a:r>
+              <a:rPr lang="en-US" dirty="0" smtClean="0">
+                <a:hlinkClick r:id="rId2"/>
+              </a:rPr>
+              <a:t>/</a:t>
+            </a:r>
+            <a:endParaRPr lang="en-US" dirty="0" smtClean="0"/>
+          </a:p>
+          <a:p>
+            <a:r>
+              <a:rPr lang="en-US" dirty="0" smtClean="0"/>
+              <a:t>Use </a:t>
+            </a:r>
+            <a:r>
+              <a:rPr lang="en-US" dirty="0" err="1" smtClean="0"/>
+              <a:t>urllib</a:t>
+            </a:r>
+            <a:r>
+              <a:rPr lang="en-US" dirty="0" smtClean="0"/>
+              <a:t> to send HTTP requests and get html web pages back</a:t>
+            </a:r>
+            <a:endParaRPr lang="en-US" dirty="0"/>
+          </a:p>
+        </p:txBody>
+      </p:sp>
+    </p:spTree>
+  </p:cSld>
+  <p:clrMapOvr>
+    <a:masterClrMapping/>
+  </p:clrMapOvr>
+</p:sld>
+</file>
+
 <file path=ppt/slides/slide2.xml><?xml version="1.0" encoding="utf-8"?>
 <p:sld xmlns:a="http://schemas.openxmlformats.org/drawingml/2006/main" xmlns:r="http://schemas.openxmlformats.org/officeDocument/2006/relationships" xmlns:mc="http://schemas.openxmlformats.org/markup-compatibility/2006" xmlns:mv="urn:schemas-microsoft-com:mac:vml" xmlns:p="http://schemas.openxmlformats.org/presentationml/2006/main" mc:Ignorable="mv" mc:PreserveAttributes="mv:*">
   <p:cSld>
@@ -6558,50 +6655,40 @@
           <a:p>
             <a:r>
               <a:rPr lang="en-US" dirty="0" smtClean="0"/>
-              <a:t>Structure of </a:t>
+              <a:t>Food sponsored by GETCO</a:t>
+            </a:r>
+            <a:endParaRPr lang="en-US" dirty="0"/>
+          </a:p>
+        </p:txBody>
+      </p:sp>
+      <p:sp>
+        <p:nvSpPr>
+          <p:cNvPr id="3" name="Content Placeholder 2"/>
+          <p:cNvSpPr>
+            <a:spLocks noGrp="1"/>
+          </p:cNvSpPr>
+          <p:nvPr>
+            <p:ph idx="1"/>
+          </p:nvPr>
+        </p:nvSpPr>
+        <p:spPr/>
+        <p:txBody>
+          <a:bodyPr/>
+          <a:lstStyle/>
+          <a:p>
+            <a:r>
+              <a:rPr lang="en-US" dirty="0" smtClean="0"/>
+              <a:t>http://</a:t>
             </a:r>
             <a:r>
               <a:rPr lang="en-US" dirty="0" err="1" smtClean="0"/>
-              <a:t>Bootcamp</a:t>
-            </a:r>
-            <a:endParaRPr lang="en-US" dirty="0"/>
-          </a:p>
-        </p:txBody>
-      </p:sp>
-      <p:sp>
-        <p:nvSpPr>
-          <p:cNvPr id="3" name="Content Placeholder 2"/>
-          <p:cNvSpPr>
-            <a:spLocks noGrp="1"/>
-          </p:cNvSpPr>
-          <p:nvPr>
-            <p:ph idx="1"/>
-          </p:nvPr>
-        </p:nvSpPr>
-        <p:spPr/>
-        <p:txBody>
-          <a:bodyPr/>
-          <a:lstStyle/>
-          <a:p>
-            <a:r>
-              <a:rPr lang="en-US" dirty="0" smtClean="0"/>
-              <a:t>3</a:t>
-            </a:r>
-            <a:r>
-              <a:rPr lang="en-US" dirty="0" smtClean="0"/>
-              <a:t>0 minutes on intro to python</a:t>
-            </a:r>
-          </a:p>
-          <a:p>
-            <a:r>
-              <a:rPr lang="en-US" dirty="0" smtClean="0"/>
-              <a:t>3</a:t>
-            </a:r>
-            <a:r>
-              <a:rPr lang="en-US" dirty="0" smtClean="0"/>
-              <a:t>0 minutes on web scraping using Beautiful Soup, a python package for web scraping</a:t>
-            </a:r>
-            <a:endParaRPr lang="en-US" dirty="0"/>
+              <a:t>www.getcollc.com</a:t>
+            </a:r>
+            <a:r>
+              <a:rPr lang="en-US" smtClean="0"/>
+              <a:t>/</a:t>
+            </a:r>
+            <a:endParaRPr lang="en-US"/>
           </a:p>
         </p:txBody>
       </p:sp>
@@ -6647,7 +6734,11 @@
           <a:p>
             <a:r>
               <a:rPr lang="en-US" dirty="0" smtClean="0"/>
-              <a:t>Python in a Nutshell</a:t>
+              <a:t>Structure of </a:t>
+            </a:r>
+            <a:r>
+              <a:rPr lang="en-US" dirty="0" err="1" smtClean="0"/>
+              <a:t>Bootcamp</a:t>
             </a:r>
             <a:endParaRPr lang="en-US" dirty="0"/>
           </a:p>
@@ -6670,86 +6761,23 @@
           <a:p>
             <a:r>
               <a:rPr lang="en-US" dirty="0" smtClean="0"/>
-              <a:t>Almost like English!</a:t>
-            </a:r>
-          </a:p>
-          <a:p>
+              <a:t>3</a:t>
+            </a:r>
             <a:r>
               <a:rPr lang="en-US" dirty="0" smtClean="0"/>
-              <a:t>Dynamically typed</a:t>
-            </a:r>
-          </a:p>
-          <a:p>
-            <a:pPr lvl="1"/>
+              <a:t>0 minutes on intro to python</a:t>
+            </a:r>
+          </a:p>
+          <a:p>
             <a:r>
               <a:rPr lang="en-US" dirty="0" smtClean="0"/>
-              <a:t>No need to declare “</a:t>
-            </a:r>
-            <a:r>
-              <a:rPr lang="en-US" dirty="0" err="1" smtClean="0"/>
-              <a:t>int</a:t>
+              <a:t>3</a:t>
             </a:r>
             <a:r>
               <a:rPr lang="en-US" dirty="0" smtClean="0"/>
-              <a:t> </a:t>
-            </a:r>
-            <a:r>
-              <a:rPr lang="en-US" dirty="0" err="1" smtClean="0"/>
-              <a:t>x</a:t>
-            </a:r>
-            <a:r>
-              <a:rPr lang="en-US" dirty="0" smtClean="0"/>
-              <a:t> = 5;” just write “</a:t>
-            </a:r>
-            <a:r>
-              <a:rPr lang="en-US" dirty="0" err="1" smtClean="0"/>
-              <a:t>x</a:t>
-            </a:r>
-            <a:r>
-              <a:rPr lang="en-US" dirty="0" smtClean="0"/>
-              <a:t> = 5”</a:t>
-            </a:r>
-          </a:p>
-          <a:p>
-            <a:r>
-              <a:rPr lang="en-US" dirty="0" smtClean="0"/>
-              <a:t>Interpreted, not compiled</a:t>
-            </a:r>
-          </a:p>
-          <a:p>
-            <a:pPr lvl="1"/>
-            <a:r>
-              <a:rPr lang="en-US" dirty="0" smtClean="0"/>
-              <a:t>Run the python interpreter with “python”</a:t>
-            </a:r>
-          </a:p>
-          <a:p>
-            <a:pPr lvl="1"/>
-            <a:r>
-              <a:rPr lang="en-US" dirty="0" smtClean="0"/>
-              <a:t>Run it with a file “python FILE”</a:t>
-            </a:r>
-          </a:p>
-          <a:p>
-            <a:pPr lvl="1"/>
-            <a:r>
-              <a:rPr lang="en-US" dirty="0" smtClean="0"/>
-              <a:t>Load the definitions in a file, then start interactive mode “python –</a:t>
-            </a:r>
-            <a:r>
-              <a:rPr lang="en-US" dirty="0" err="1" smtClean="0"/>
-              <a:t>i</a:t>
-            </a:r>
-            <a:r>
-              <a:rPr lang="en-US" dirty="0" smtClean="0"/>
-              <a:t> FILE”</a:t>
-            </a:r>
-          </a:p>
-          <a:p>
-            <a:r>
-              <a:rPr lang="en-US" dirty="0" smtClean="0"/>
-              <a:t>No more “{ … }”, blocks determined by white space</a:t>
-            </a:r>
+              <a:t>0 minutes on web scraping using Beautiful Soup, a python package for web scraping</a:t>
+            </a:r>
+            <a:endParaRPr lang="en-US" dirty="0"/>
           </a:p>
         </p:txBody>
       </p:sp>
@@ -6762,6 +6790,154 @@
 </file>
 
 <file path=ppt/slides/slide5.xml><?xml version="1.0" encoding="utf-8"?>
+<p:sld xmlns:a="http://schemas.openxmlformats.org/drawingml/2006/main" xmlns:r="http://schemas.openxmlformats.org/officeDocument/2006/relationships" xmlns:mc="http://schemas.openxmlformats.org/markup-compatibility/2006" xmlns:mv="urn:schemas-microsoft-com:mac:vml" xmlns:p="http://schemas.openxmlformats.org/presentationml/2006/main" mc:Ignorable="mv" mc:PreserveAttributes="mv:*">
+  <p:cSld>
+    <p:spTree>
+      <p:nvGrpSpPr>
+        <p:cNvPr id="1" name=""/>
+        <p:cNvGrpSpPr/>
+        <p:nvPr/>
+      </p:nvGrpSpPr>
+      <p:grpSpPr>
+        <a:xfrm>
+          <a:off x="0" y="0"/>
+          <a:ext cx="0" cy="0"/>
+          <a:chOff x="0" y="0"/>
+          <a:chExt cx="0" cy="0"/>
+        </a:xfrm>
+      </p:grpSpPr>
+      <p:sp>
+        <p:nvSpPr>
+          <p:cNvPr id="2" name="Title 1"/>
+          <p:cNvSpPr>
+            <a:spLocks noGrp="1"/>
+          </p:cNvSpPr>
+          <p:nvPr>
+            <p:ph type="title"/>
+          </p:nvPr>
+        </p:nvSpPr>
+        <p:spPr/>
+        <p:txBody>
+          <a:bodyPr/>
+          <a:lstStyle/>
+          <a:p>
+            <a:r>
+              <a:rPr lang="en-US" dirty="0" smtClean="0"/>
+              <a:t>Python in a Nutshell</a:t>
+            </a:r>
+            <a:endParaRPr lang="en-US" dirty="0"/>
+          </a:p>
+        </p:txBody>
+      </p:sp>
+      <p:sp>
+        <p:nvSpPr>
+          <p:cNvPr id="3" name="Content Placeholder 2"/>
+          <p:cNvSpPr>
+            <a:spLocks noGrp="1"/>
+          </p:cNvSpPr>
+          <p:nvPr>
+            <p:ph idx="1"/>
+          </p:nvPr>
+        </p:nvSpPr>
+        <p:spPr/>
+        <p:txBody>
+          <a:bodyPr/>
+          <a:lstStyle/>
+          <a:p>
+            <a:r>
+              <a:rPr lang="en-US" dirty="0" smtClean="0"/>
+              <a:t>Almost like English!</a:t>
+            </a:r>
+          </a:p>
+          <a:p>
+            <a:r>
+              <a:rPr lang="en-US" dirty="0" smtClean="0"/>
+              <a:t>Dynamically typed</a:t>
+            </a:r>
+          </a:p>
+          <a:p>
+            <a:pPr lvl="1"/>
+            <a:r>
+              <a:rPr lang="en-US" dirty="0" smtClean="0"/>
+              <a:t>No need to declare “</a:t>
+            </a:r>
+            <a:r>
+              <a:rPr lang="en-US" dirty="0" err="1" smtClean="0"/>
+              <a:t>int</a:t>
+            </a:r>
+            <a:r>
+              <a:rPr lang="en-US" dirty="0" smtClean="0"/>
+              <a:t> </a:t>
+            </a:r>
+            <a:r>
+              <a:rPr lang="en-US" dirty="0" err="1" smtClean="0"/>
+              <a:t>x</a:t>
+            </a:r>
+            <a:r>
+              <a:rPr lang="en-US" dirty="0" smtClean="0"/>
+              <a:t> = 5;” just write “</a:t>
+            </a:r>
+            <a:r>
+              <a:rPr lang="en-US" dirty="0" err="1" smtClean="0"/>
+              <a:t>x</a:t>
+            </a:r>
+            <a:r>
+              <a:rPr lang="en-US" dirty="0" smtClean="0"/>
+              <a:t> = 5”</a:t>
+            </a:r>
+          </a:p>
+          <a:p>
+            <a:r>
+              <a:rPr lang="en-US" dirty="0" smtClean="0"/>
+              <a:t>Interpreted, not compiled</a:t>
+            </a:r>
+          </a:p>
+          <a:p>
+            <a:pPr lvl="1"/>
+            <a:r>
+              <a:rPr lang="en-US" dirty="0" smtClean="0"/>
+              <a:t>Run the python interpreter with “python”</a:t>
+            </a:r>
+          </a:p>
+          <a:p>
+            <a:pPr lvl="1"/>
+            <a:r>
+              <a:rPr lang="en-US" dirty="0" smtClean="0"/>
+              <a:t>Run it with a file “python FILE”</a:t>
+            </a:r>
+          </a:p>
+          <a:p>
+            <a:pPr lvl="1"/>
+            <a:r>
+              <a:rPr lang="en-US" dirty="0" smtClean="0"/>
+              <a:t>Load the definitions in a file, then start interactive mode “python –</a:t>
+            </a:r>
+            <a:r>
+              <a:rPr lang="en-US" dirty="0" err="1" smtClean="0"/>
+              <a:t>i</a:t>
+            </a:r>
+            <a:r>
+              <a:rPr lang="en-US" dirty="0" smtClean="0"/>
+              <a:t> FILE”</a:t>
+            </a:r>
+          </a:p>
+          <a:p>
+            <a:r>
+              <a:rPr lang="en-US" dirty="0" smtClean="0"/>
+              <a:t>No more “{ … }”, blocks determined by white space</a:t>
+            </a:r>
+          </a:p>
+        </p:txBody>
+      </p:sp>
+    </p:spTree>
+  </p:cSld>
+  <p:clrMapOvr>
+    <a:masterClrMapping/>
+  </p:clrMapOvr>
+</p:sld>
+</file>
+
+<file path=ppt/slides/slide6.xml><?xml version="1.0" encoding="utf-8"?>
 <p:sld xmlns:a="http://schemas.openxmlformats.org/drawingml/2006/main" xmlns:r="http://schemas.openxmlformats.org/officeDocument/2006/relationships" xmlns:mc="http://schemas.openxmlformats.org/markup-compatibility/2006" xmlns:mv="urn:schemas-microsoft-com:mac:vml" xmlns:p="http://schemas.openxmlformats.org/presentationml/2006/main" mc:Ignorable="mv" mc:PreserveAttributes="mv:*">
   <p:cSld>
     <p:spTree>
@@ -6923,83 +7099,6 @@
 </p:sld>
 </file>
 
-<file path=ppt/slides/slide6.xml><?xml version="1.0" encoding="utf-8"?>
-<p:sld xmlns:a="http://schemas.openxmlformats.org/drawingml/2006/main" xmlns:r="http://schemas.openxmlformats.org/officeDocument/2006/relationships" xmlns:mc="http://schemas.openxmlformats.org/markup-compatibility/2006" xmlns:mv="urn:schemas-microsoft-com:mac:vml" xmlns:p="http://schemas.openxmlformats.org/presentationml/2006/main" mc:Ignorable="mv" mc:PreserveAttributes="mv:*">
-  <p:cSld>
-    <p:spTree>
-      <p:nvGrpSpPr>
-        <p:cNvPr id="1" name=""/>
-        <p:cNvGrpSpPr/>
-        <p:nvPr/>
-      </p:nvGrpSpPr>
-      <p:grpSpPr>
-        <a:xfrm>
-          <a:off x="0" y="0"/>
-          <a:ext cx="0" cy="0"/>
-          <a:chOff x="0" y="0"/>
-          <a:chExt cx="0" cy="0"/>
-        </a:xfrm>
-      </p:grpSpPr>
-      <p:sp>
-        <p:nvSpPr>
-          <p:cNvPr id="2" name="Title 1"/>
-          <p:cNvSpPr>
-            <a:spLocks noGrp="1"/>
-          </p:cNvSpPr>
-          <p:nvPr>
-            <p:ph type="title"/>
-          </p:nvPr>
-        </p:nvSpPr>
-        <p:spPr/>
-        <p:txBody>
-          <a:bodyPr/>
-          <a:lstStyle/>
-          <a:p>
-            <a:r>
-              <a:rPr lang="en-US" dirty="0" smtClean="0"/>
-              <a:t>Web Scraping</a:t>
-            </a:r>
-            <a:endParaRPr lang="en-US" dirty="0"/>
-          </a:p>
-        </p:txBody>
-      </p:sp>
-      <p:sp>
-        <p:nvSpPr>
-          <p:cNvPr id="3" name="Content Placeholder 2"/>
-          <p:cNvSpPr>
-            <a:spLocks noGrp="1"/>
-          </p:cNvSpPr>
-          <p:nvPr>
-            <p:ph idx="1"/>
-          </p:nvPr>
-        </p:nvSpPr>
-        <p:spPr/>
-        <p:txBody>
-          <a:bodyPr/>
-          <a:lstStyle/>
-          <a:p>
-            <a:r>
-              <a:rPr lang="en-US" dirty="0" smtClean="0"/>
-              <a:t>How can I retrieve data from websites and put them into a usable format? (e.g. CSV, put into database)</a:t>
-            </a:r>
-          </a:p>
-          <a:p>
-            <a:r>
-              <a:rPr lang="en-US" dirty="0" smtClean="0"/>
-              <a:t>Amazon search results, news articles, statistics, etc.</a:t>
-            </a:r>
-            <a:endParaRPr lang="en-US" dirty="0"/>
-          </a:p>
-        </p:txBody>
-      </p:sp>
-    </p:spTree>
-  </p:cSld>
-  <p:clrMapOvr>
-    <a:masterClrMapping/>
-  </p:clrMapOvr>
-</p:sld>
-</file>
-
 <file path=ppt/slides/slide7.xml><?xml version="1.0" encoding="utf-8"?>
 <p:sld xmlns:a="http://schemas.openxmlformats.org/drawingml/2006/main" xmlns:r="http://schemas.openxmlformats.org/officeDocument/2006/relationships" xmlns:mc="http://schemas.openxmlformats.org/markup-compatibility/2006" xmlns:mv="urn:schemas-microsoft-com:mac:vml" xmlns:p="http://schemas.openxmlformats.org/presentationml/2006/main" mc:Ignorable="mv" mc:PreserveAttributes="mv:*">
   <p:cSld>
@@ -7034,7 +7133,7 @@
           <a:p>
             <a:r>
               <a:rPr lang="en-US" dirty="0" smtClean="0"/>
-              <a:t>Beautiful Soup</a:t>
+              <a:t>Web Scraping</a:t>
             </a:r>
             <a:endParaRPr lang="en-US" dirty="0"/>
           </a:p>
@@ -7052,124 +7151,18 @@
         </p:nvSpPr>
         <p:spPr/>
         <p:txBody>
-          <a:bodyPr>
-            <a:normAutofit fontScale="92500"/>
-          </a:bodyPr>
+          <a:bodyPr/>
           <a:lstStyle/>
           <a:p>
             <a:r>
               <a:rPr lang="en-US" dirty="0" smtClean="0"/>
-              <a:t>Beautiful Soup is a web scraping framework for Python</a:t>
-            </a:r>
-          </a:p>
-          <a:p>
-            <a:pPr lvl="1"/>
+              <a:t>How can I retrieve data from websites and put them into a usable format? (e.g. CSV, put into database)</a:t>
+            </a:r>
+          </a:p>
+          <a:p>
             <a:r>
               <a:rPr lang="en-US" dirty="0" smtClean="0"/>
-              <a:t>Makes extracting information from web pages very easy</a:t>
-            </a:r>
-          </a:p>
-          <a:p>
-            <a:r>
-              <a:rPr lang="en-US" dirty="0" smtClean="0"/>
-              <a:t>Installation</a:t>
-            </a:r>
-          </a:p>
-          <a:p>
-            <a:pPr lvl="1"/>
-            <a:r>
-              <a:rPr lang="en-US" dirty="0" smtClean="0"/>
-              <a:t>Download (4.1.3): </a:t>
-            </a:r>
-            <a:r>
-              <a:rPr lang="en-US" dirty="0" smtClean="0">
-                <a:hlinkClick r:id="rId2"/>
-              </a:rPr>
-              <a:t>http://www.crummy.com/software/BeautifulSoup/bs4/download</a:t>
-            </a:r>
-            <a:r>
-              <a:rPr lang="en-US" dirty="0" smtClean="0">
-                <a:hlinkClick r:id="rId2"/>
-              </a:rPr>
-              <a:t>/</a:t>
-            </a:r>
-            <a:endParaRPr lang="en-US" dirty="0" smtClean="0"/>
-          </a:p>
-          <a:p>
-            <a:pPr lvl="1"/>
-            <a:r>
-              <a:rPr lang="en-US" dirty="0" smtClean="0"/>
-              <a:t>At the command line:</a:t>
-            </a:r>
-          </a:p>
-          <a:p>
-            <a:pPr lvl="2"/>
-            <a:r>
-              <a:rPr lang="en-US" dirty="0" smtClean="0"/>
-              <a:t>tar –</a:t>
-            </a:r>
-            <a:r>
-              <a:rPr lang="en-US" dirty="0" err="1" smtClean="0"/>
-              <a:t>zxvf</a:t>
-            </a:r>
-            <a:r>
-              <a:rPr lang="en-US" dirty="0" smtClean="0"/>
-              <a:t> beautifulsoup4-4.1.3.tar.gz</a:t>
-            </a:r>
-          </a:p>
-          <a:p>
-            <a:pPr lvl="2"/>
-            <a:r>
-              <a:rPr lang="en-US" dirty="0" err="1" smtClean="0"/>
-              <a:t>cd</a:t>
-            </a:r>
-            <a:r>
-              <a:rPr lang="en-US" dirty="0" smtClean="0"/>
-              <a:t> </a:t>
-            </a:r>
-            <a:r>
-              <a:rPr lang="en-US" dirty="0" smtClean="0"/>
-              <a:t>beautifulsoup4-</a:t>
-            </a:r>
-            <a:r>
-              <a:rPr lang="en-US" dirty="0" smtClean="0"/>
-              <a:t>4.1.3</a:t>
-            </a:r>
-          </a:p>
-          <a:p>
-            <a:pPr lvl="2"/>
-            <a:r>
-              <a:rPr lang="en-US" dirty="0" err="1" smtClean="0"/>
-              <a:t>s</a:t>
-            </a:r>
-            <a:r>
-              <a:rPr lang="en-US" dirty="0" err="1" smtClean="0"/>
-              <a:t>udo</a:t>
-            </a:r>
-            <a:r>
-              <a:rPr lang="en-US" dirty="0" smtClean="0"/>
-              <a:t> python </a:t>
-            </a:r>
-            <a:r>
-              <a:rPr lang="en-US" dirty="0" err="1" smtClean="0"/>
-              <a:t>setup.py</a:t>
-            </a:r>
-            <a:r>
-              <a:rPr lang="en-US" dirty="0" smtClean="0"/>
-              <a:t> install</a:t>
-            </a:r>
-          </a:p>
-          <a:p>
-            <a:r>
-              <a:rPr lang="en-US" dirty="0" smtClean="0"/>
-              <a:t>Sanity check: start python, and enter:</a:t>
-            </a:r>
-          </a:p>
-          <a:p>
-            <a:pPr lvl="1"/>
-            <a:r>
-              <a:rPr lang="en-US" dirty="0" smtClean="0"/>
-              <a:t>import bs4</a:t>
+              <a:t>Amazon search results, news articles, statistics, etc.</a:t>
             </a:r>
             <a:endParaRPr lang="en-US" dirty="0"/>
           </a:p>
@@ -7217,7 +7210,7 @@
           <a:p>
             <a:r>
               <a:rPr lang="en-US" dirty="0" smtClean="0"/>
-              <a:t>Grab Amazon Scraper Code</a:t>
+              <a:t>Beautiful Soup</a:t>
             </a:r>
             <a:endParaRPr lang="en-US" dirty="0"/>
           </a:p>
@@ -7235,65 +7228,124 @@
         </p:nvSpPr>
         <p:spPr/>
         <p:txBody>
-          <a:bodyPr/>
+          <a:bodyPr>
+            <a:normAutofit fontScale="92500"/>
+          </a:bodyPr>
           <a:lstStyle/>
           <a:p>
             <a:r>
               <a:rPr lang="en-US" dirty="0" smtClean="0"/>
-              <a:t>Go to </a:t>
+              <a:t>Beautiful Soup is a web scraping framework for Python</a:t>
+            </a:r>
+          </a:p>
+          <a:p>
+            <a:pPr lvl="1"/>
+            <a:r>
+              <a:rPr lang="en-US" dirty="0" smtClean="0"/>
+              <a:t>Makes extracting information from web pages very easy</a:t>
+            </a:r>
+          </a:p>
+          <a:p>
+            <a:r>
+              <a:rPr lang="en-US" dirty="0" smtClean="0"/>
+              <a:t>Installation</a:t>
+            </a:r>
+          </a:p>
+          <a:p>
+            <a:pPr lvl="1"/>
+            <a:r>
+              <a:rPr lang="en-US" dirty="0" smtClean="0"/>
+              <a:t>Download (4.1.3): </a:t>
             </a:r>
             <a:r>
               <a:rPr lang="en-US" dirty="0" smtClean="0">
                 <a:hlinkClick r:id="rId2"/>
               </a:rPr>
-              <a:t>https://github.com/hcs/bootcamp-</a:t>
+              <a:t>http://www.crummy.com/software/BeautifulSoup/bs4/download</a:t>
             </a:r>
             <a:r>
               <a:rPr lang="en-US" dirty="0" smtClean="0">
                 <a:hlinkClick r:id="rId2"/>
               </a:rPr>
-              <a:t>scraper</a:t>
+              <a:t>/</a:t>
             </a:r>
             <a:endParaRPr lang="en-US" dirty="0" smtClean="0"/>
           </a:p>
           <a:p>
+            <a:pPr lvl="1"/>
             <a:r>
               <a:rPr lang="en-US" dirty="0" smtClean="0"/>
-              <a:t>If you have </a:t>
+              <a:t>At the command line:</a:t>
+            </a:r>
+          </a:p>
+          <a:p>
+            <a:pPr lvl="2"/>
+            <a:r>
+              <a:rPr lang="en-US" dirty="0" smtClean="0"/>
+              <a:t>tar –</a:t>
             </a:r>
             <a:r>
               <a:rPr lang="en-US" dirty="0" err="1" smtClean="0"/>
-              <a:t>git</a:t>
+              <a:t>zxvf</a:t>
             </a:r>
             <a:r>
               <a:rPr lang="en-US" dirty="0" smtClean="0"/>
-              <a:t>:</a:t>
+              <a:t> beautifulsoup4-4.1.3.tar.gz</a:t>
+            </a:r>
+          </a:p>
+          <a:p>
+            <a:pPr lvl="2"/>
+            <a:r>
+              <a:rPr lang="en-US" dirty="0" err="1" smtClean="0"/>
+              <a:t>cd</a:t>
+            </a:r>
+            <a:r>
+              <a:rPr lang="en-US" dirty="0" smtClean="0"/>
+              <a:t> </a:t>
+            </a:r>
+            <a:r>
+              <a:rPr lang="en-US" dirty="0" smtClean="0"/>
+              <a:t>beautifulsoup4-</a:t>
+            </a:r>
+            <a:r>
+              <a:rPr lang="en-US" dirty="0" smtClean="0"/>
+              <a:t>4.1.3</a:t>
+            </a:r>
+          </a:p>
+          <a:p>
+            <a:pPr lvl="2"/>
+            <a:r>
+              <a:rPr lang="en-US" dirty="0" err="1" smtClean="0"/>
+              <a:t>s</a:t>
+            </a:r>
+            <a:r>
+              <a:rPr lang="en-US" dirty="0" err="1" smtClean="0"/>
+              <a:t>udo</a:t>
+            </a:r>
+            <a:r>
+              <a:rPr lang="en-US" dirty="0" smtClean="0"/>
+              <a:t> python </a:t>
+            </a:r>
+            <a:r>
+              <a:rPr lang="en-US" dirty="0" err="1" smtClean="0"/>
+              <a:t>setup.py</a:t>
+            </a:r>
+            <a:r>
+              <a:rPr lang="en-US" dirty="0" smtClean="0"/>
+              <a:t> install</a:t>
+            </a:r>
+          </a:p>
+          <a:p>
+            <a:r>
+              <a:rPr lang="en-US" dirty="0" smtClean="0"/>
+              <a:t>Sanity check: start python, and enter:</a:t>
             </a:r>
           </a:p>
           <a:p>
             <a:pPr lvl="1"/>
             <a:r>
-              <a:rPr lang="en-US" dirty="0" err="1" smtClean="0"/>
-              <a:t>git</a:t>
-            </a:r>
-            <a:r>
               <a:rPr lang="en-US" dirty="0" smtClean="0"/>
-              <a:t> clone </a:t>
-            </a:r>
-            <a:r>
-              <a:rPr lang="en-US" dirty="0" err="1" smtClean="0"/>
-              <a:t>git://github.com/hcs/bootcamp-</a:t>
-            </a:r>
-            <a:r>
-              <a:rPr lang="en-US" dirty="0" err="1" smtClean="0"/>
-              <a:t>scraper.git</a:t>
-            </a:r>
-            <a:endParaRPr lang="en-US" dirty="0" smtClean="0"/>
-          </a:p>
-          <a:p>
-            <a:r>
-              <a:rPr lang="en-US" dirty="0" smtClean="0"/>
-              <a:t>Otherwise click the “zip” link to download</a:t>
+              <a:t>import bs4</a:t>
             </a:r>
             <a:endParaRPr lang="en-US" dirty="0"/>
           </a:p>
@@ -7336,14 +7388,12 @@
         </p:nvSpPr>
         <p:spPr/>
         <p:txBody>
-          <a:bodyPr>
-            <a:normAutofit fontScale="90000"/>
-          </a:bodyPr>
+          <a:bodyPr/>
           <a:lstStyle/>
           <a:p>
             <a:r>
               <a:rPr lang="en-US" dirty="0" smtClean="0"/>
-              <a:t>Beautiful Soup Documentation</a:t>
+              <a:t>Grab Amazon Scraper Code</a:t>
             </a:r>
             <a:endParaRPr lang="en-US" dirty="0"/>
           </a:p>
@@ -7364,32 +7414,62 @@
           <a:bodyPr/>
           <a:lstStyle/>
           <a:p>
+            <a:r>
+              <a:rPr lang="en-US" dirty="0" smtClean="0"/>
+              <a:t>Go to </a:t>
+            </a:r>
             <a:r>
               <a:rPr lang="en-US" dirty="0" smtClean="0">
                 <a:hlinkClick r:id="rId2"/>
               </a:rPr>
-              <a:t>http://www.crummy.com/software/BeautifulSoup/bs4/doc</a:t>
+              <a:t>https://github.com/hcs/bootcamp-</a:t>
             </a:r>
             <a:r>
               <a:rPr lang="en-US" dirty="0" smtClean="0">
                 <a:hlinkClick r:id="rId2"/>
               </a:rPr>
-              <a:t>/</a:t>
+              <a:t>scraper</a:t>
             </a:r>
             <a:endParaRPr lang="en-US" dirty="0" smtClean="0"/>
           </a:p>
           <a:p>
             <a:r>
               <a:rPr lang="en-US" dirty="0" smtClean="0"/>
-              <a:t>Use </a:t>
+              <a:t>If you have </a:t>
             </a:r>
             <a:r>
               <a:rPr lang="en-US" dirty="0" err="1" smtClean="0"/>
-              <a:t>urllib</a:t>
+              <a:t>git</a:t>
             </a:r>
             <a:r>
               <a:rPr lang="en-US" dirty="0" smtClean="0"/>
-              <a:t> to send HTTP requests and get html web pages back</a:t>
+              <a:t>:</a:t>
+            </a:r>
+          </a:p>
+          <a:p>
+            <a:pPr lvl="1"/>
+            <a:r>
+              <a:rPr lang="en-US" dirty="0" err="1" smtClean="0"/>
+              <a:t>git</a:t>
+            </a:r>
+            <a:r>
+              <a:rPr lang="en-US" dirty="0" smtClean="0"/>
+              <a:t> clone </a:t>
+            </a:r>
+            <a:r>
+              <a:rPr lang="en-US" dirty="0" err="1" smtClean="0"/>
+              <a:t>git://github.com/hcs/bootcamp-</a:t>
+            </a:r>
+            <a:r>
+              <a:rPr lang="en-US" dirty="0" err="1" smtClean="0"/>
+              <a:t>scraper.git</a:t>
+            </a:r>
+            <a:endParaRPr lang="en-US" dirty="0" smtClean="0"/>
+          </a:p>
+          <a:p>
+            <a:r>
+              <a:rPr lang="en-US" dirty="0" smtClean="0"/>
+              <a:t>Otherwise click the “zip” link to download</a:t>
             </a:r>
             <a:endParaRPr lang="en-US" dirty="0"/>
           </a:p>

--- a/presentation.pptx
+++ b/presentation.pptx
@@ -15,6 +15,7 @@
     <p:sldId id="262" r:id="rId9"/>
     <p:sldId id="263" r:id="rId10"/>
     <p:sldId id="264" r:id="rId11"/>
+    <p:sldId id="266" r:id="rId12"/>
   </p:sldIdLst>
   <p:sldSz cx="9144000" cy="6858000" type="screen4x3"/>
   <p:notesSz cx="6858000" cy="9144000"/>
@@ -6550,6 +6551,151 @@
 </p:sld>
 </file>
 
+<file path=ppt/slides/slide11.xml><?xml version="1.0" encoding="utf-8"?>
+<p:sld xmlns:a="http://schemas.openxmlformats.org/drawingml/2006/main" xmlns:r="http://schemas.openxmlformats.org/officeDocument/2006/relationships" xmlns:mc="http://schemas.openxmlformats.org/markup-compatibility/2006" xmlns:mv="urn:schemas-microsoft-com:mac:vml" xmlns:p="http://schemas.openxmlformats.org/presentationml/2006/main" mc:Ignorable="mv" mc:PreserveAttributes="mv:*">
+  <p:cSld>
+    <p:spTree>
+      <p:nvGrpSpPr>
+        <p:cNvPr id="1" name=""/>
+        <p:cNvGrpSpPr/>
+        <p:nvPr/>
+      </p:nvGrpSpPr>
+      <p:grpSpPr>
+        <a:xfrm>
+          <a:off x="0" y="0"/>
+          <a:ext cx="0" cy="0"/>
+          <a:chOff x="0" y="0"/>
+          <a:chExt cx="0" cy="0"/>
+        </a:xfrm>
+      </p:grpSpPr>
+      <p:sp>
+        <p:nvSpPr>
+          <p:cNvPr id="2" name="Title 1"/>
+          <p:cNvSpPr>
+            <a:spLocks noGrp="1"/>
+          </p:cNvSpPr>
+          <p:nvPr>
+            <p:ph type="title"/>
+          </p:nvPr>
+        </p:nvSpPr>
+        <p:spPr/>
+        <p:txBody>
+          <a:bodyPr/>
+          <a:lstStyle/>
+          <a:p>
+            <a:r>
+              <a:rPr lang="en-US" dirty="0" err="1" smtClean="0"/>
+              <a:t>iLab</a:t>
+            </a:r>
+            <a:r>
+              <a:rPr lang="en-US" dirty="0" smtClean="0"/>
+              <a:t> Coding </a:t>
+            </a:r>
+            <a:r>
+              <a:rPr lang="en-US" dirty="0" err="1" smtClean="0"/>
+              <a:t>Bootcamp</a:t>
+            </a:r>
+            <a:endParaRPr lang="en-US" dirty="0"/>
+          </a:p>
+        </p:txBody>
+      </p:sp>
+      <p:sp>
+        <p:nvSpPr>
+          <p:cNvPr id="3" name="Content Placeholder 2"/>
+          <p:cNvSpPr>
+            <a:spLocks noGrp="1"/>
+          </p:cNvSpPr>
+          <p:nvPr>
+            <p:ph idx="1"/>
+          </p:nvPr>
+        </p:nvSpPr>
+        <p:spPr/>
+        <p:txBody>
+          <a:bodyPr>
+            <a:normAutofit/>
+          </a:bodyPr>
+          <a:lstStyle/>
+          <a:p>
+            <a:r>
+              <a:rPr lang="en-US" dirty="0" smtClean="0"/>
+              <a:t>There will be a free </a:t>
+            </a:r>
+            <a:r>
+              <a:rPr lang="en-US" dirty="0" smtClean="0"/>
+              <a:t>Coding </a:t>
+            </a:r>
+            <a:r>
+              <a:rPr lang="en-US" dirty="0" err="1" smtClean="0"/>
+              <a:t>Bootcamp</a:t>
+            </a:r>
+            <a:r>
+              <a:rPr lang="en-US" dirty="0" smtClean="0"/>
+              <a:t> at the </a:t>
+            </a:r>
+            <a:r>
+              <a:rPr lang="en-US" dirty="0" err="1" smtClean="0"/>
+              <a:t>i</a:t>
+            </a:r>
+            <a:r>
+              <a:rPr lang="en-US" dirty="0" smtClean="0"/>
+              <a:t>-lab, the weekend of April 20-21, for anyone who wants to learn Python. It will be a Learn by Doing workshop where we build out a responsive HTML5 Web App with Python, </a:t>
+            </a:r>
+            <a:r>
+              <a:rPr lang="en-US" dirty="0" err="1" smtClean="0"/>
+              <a:t>MongoDB</a:t>
+            </a:r>
+            <a:r>
+              <a:rPr lang="en-US" dirty="0" smtClean="0"/>
+              <a:t> and </a:t>
+            </a:r>
+            <a:r>
+              <a:rPr lang="en-US" dirty="0" err="1" smtClean="0"/>
+              <a:t>AngularJS</a:t>
+            </a:r>
+            <a:r>
+              <a:rPr lang="en-US" dirty="0" smtClean="0"/>
+              <a:t>. No prior experience with any of these technologies are required! As long as you understand basic programming concepts like variables &amp; functions,</a:t>
+            </a:r>
+            <a:r>
+              <a:rPr lang="en-US" dirty="0" smtClean="0"/>
+              <a:t> they'll </a:t>
+            </a:r>
+            <a:r>
+              <a:rPr lang="en-US" dirty="0" smtClean="0"/>
+              <a:t>teach you everything you need to know about Python, JavaScript &amp; </a:t>
+            </a:r>
+            <a:r>
+              <a:rPr lang="en-US" dirty="0" err="1" smtClean="0"/>
+              <a:t>MongoDB</a:t>
+            </a:r>
+            <a:r>
+              <a:rPr lang="en-US" dirty="0" smtClean="0"/>
+              <a:t> to build the app.</a:t>
+            </a:r>
+            <a:r>
+              <a:rPr lang="en-US" dirty="0" smtClean="0"/>
+              <a:t> </a:t>
+            </a:r>
+          </a:p>
+          <a:p>
+            <a:r>
+              <a:rPr lang="en-US" dirty="0" smtClean="0"/>
+              <a:t>Learn more and register here: http://www.eventbrite.com/event/6109685233</a:t>
+            </a:r>
+          </a:p>
+          <a:p>
+            <a:endParaRPr lang="en-US" dirty="0"/>
+          </a:p>
+        </p:txBody>
+      </p:sp>
+    </p:spTree>
+  </p:cSld>
+  <p:clrMapOvr>
+    <a:masterClrMapping/>
+  </p:clrMapOvr>
+</p:sld>
+</file>
+
 <file path=ppt/slides/slide2.xml><?xml version="1.0" encoding="utf-8"?>
 <p:sld xmlns:a="http://schemas.openxmlformats.org/drawingml/2006/main" xmlns:r="http://schemas.openxmlformats.org/officeDocument/2006/relationships" xmlns:mc="http://schemas.openxmlformats.org/markup-compatibility/2006" xmlns:mv="urn:schemas-microsoft-com:mac:vml" xmlns:p="http://schemas.openxmlformats.org/presentationml/2006/main" mc:Ignorable="mv" mc:PreserveAttributes="mv:*">
   <p:cSld>
@@ -6685,10 +6831,10 @@
               <a:t>www.getcollc.com</a:t>
             </a:r>
             <a:r>
-              <a:rPr lang="en-US" smtClean="0"/>
+              <a:rPr lang="en-US" dirty="0" smtClean="0"/>
               <a:t>/</a:t>
             </a:r>
-            <a:endParaRPr lang="en-US"/>
+            <a:endParaRPr lang="en-US" dirty="0"/>
           </a:p>
         </p:txBody>
       </p:sp>
